--- a/Lylyez/Armada Soundsystem.pptx
+++ b/Lylyez/Armada Soundsystem.pptx
@@ -249,7 +249,7 @@
             <a:fld id="{084B4F6C-5E44-4E88-8E84-86541D3F2744}" type="datetimeFigureOut">
               <a:rPr lang="en-US" smtClean="0"/>
               <a:pPr/>
-              <a:t>3/4/2017</a:t>
+              <a:t>3/9/2017</a:t>
             </a:fld>
             <a:endParaRPr lang="en-US"/>
           </a:p>
@@ -1120,7 +1120,7 @@
             <a:fld id="{084B4F6C-5E44-4E88-8E84-86541D3F2744}" type="datetimeFigureOut">
               <a:rPr lang="en-US" smtClean="0"/>
               <a:pPr/>
-              <a:t>3/4/2017</a:t>
+              <a:t>3/9/2017</a:t>
             </a:fld>
             <a:endParaRPr lang="en-US"/>
           </a:p>
@@ -1297,7 +1297,7 @@
             <a:fld id="{084B4F6C-5E44-4E88-8E84-86541D3F2744}" type="datetimeFigureOut">
               <a:rPr lang="en-US" smtClean="0"/>
               <a:pPr/>
-              <a:t>3/4/2017</a:t>
+              <a:t>3/9/2017</a:t>
             </a:fld>
             <a:endParaRPr lang="en-US"/>
           </a:p>
@@ -1469,7 +1469,7 @@
             <a:fld id="{084B4F6C-5E44-4E88-8E84-86541D3F2744}" type="datetimeFigureOut">
               <a:rPr lang="en-US" smtClean="0"/>
               <a:pPr/>
-              <a:t>3/4/2017</a:t>
+              <a:t>3/9/2017</a:t>
             </a:fld>
             <a:endParaRPr lang="en-US"/>
           </a:p>
@@ -1681,7 +1681,7 @@
             <a:fld id="{084B4F6C-5E44-4E88-8E84-86541D3F2744}" type="datetimeFigureOut">
               <a:rPr lang="en-US" smtClean="0"/>
               <a:pPr/>
-              <a:t>3/4/2017</a:t>
+              <a:t>3/9/2017</a:t>
             </a:fld>
             <a:endParaRPr lang="en-US"/>
           </a:p>
@@ -2497,7 +2497,7 @@
             <a:fld id="{084B4F6C-5E44-4E88-8E84-86541D3F2744}" type="datetimeFigureOut">
               <a:rPr lang="en-US" smtClean="0"/>
               <a:pPr/>
-              <a:t>3/4/2017</a:t>
+              <a:t>3/9/2017</a:t>
             </a:fld>
             <a:endParaRPr lang="en-US"/>
           </a:p>
@@ -2735,7 +2735,7 @@
             <a:fld id="{084B4F6C-5E44-4E88-8E84-86541D3F2744}" type="datetimeFigureOut">
               <a:rPr lang="en-US" smtClean="0"/>
               <a:pPr/>
-              <a:t>3/4/2017</a:t>
+              <a:t>3/9/2017</a:t>
             </a:fld>
             <a:endParaRPr lang="en-US"/>
           </a:p>
@@ -3060,7 +3060,7 @@
             <a:fld id="{084B4F6C-5E44-4E88-8E84-86541D3F2744}" type="datetimeFigureOut">
               <a:rPr lang="en-US" smtClean="0"/>
               <a:pPr/>
-              <a:t>3/4/2017</a:t>
+              <a:t>3/9/2017</a:t>
             </a:fld>
             <a:endParaRPr lang="en-US"/>
           </a:p>
@@ -3152,7 +3152,7 @@
             <a:fld id="{084B4F6C-5E44-4E88-8E84-86541D3F2744}" type="datetimeFigureOut">
               <a:rPr lang="en-US" smtClean="0"/>
               <a:pPr/>
-              <a:t>3/4/2017</a:t>
+              <a:t>3/9/2017</a:t>
             </a:fld>
             <a:endParaRPr lang="en-US"/>
           </a:p>
@@ -3671,7 +3671,7 @@
             <a:fld id="{084B4F6C-5E44-4E88-8E84-86541D3F2744}" type="datetimeFigureOut">
               <a:rPr lang="en-US" smtClean="0"/>
               <a:pPr/>
-              <a:t>3/4/2017</a:t>
+              <a:t>3/9/2017</a:t>
             </a:fld>
             <a:endParaRPr lang="en-US"/>
           </a:p>
@@ -4184,7 +4184,7 @@
             <a:fld id="{084B4F6C-5E44-4E88-8E84-86541D3F2744}" type="datetimeFigureOut">
               <a:rPr lang="en-US" smtClean="0"/>
               <a:pPr/>
-              <a:t>3/4/2017</a:t>
+              <a:t>3/9/2017</a:t>
             </a:fld>
             <a:endParaRPr lang="en-US"/>
           </a:p>
@@ -4431,7 +4431,7 @@
             <a:fld id="{084B4F6C-5E44-4E88-8E84-86541D3F2744}" type="datetimeFigureOut">
               <a:rPr lang="en-US" smtClean="0"/>
               <a:pPr/>
-              <a:t>3/4/2017</a:t>
+              <a:t>3/9/2017</a:t>
             </a:fld>
             <a:endParaRPr lang="en-US"/>
           </a:p>
@@ -5047,7 +5047,12 @@
             <p:ph type="ctrTitle"/>
           </p:nvPr>
         </p:nvSpPr>
-        <p:spPr/>
+        <p:spPr>
+          <a:xfrm>
+            <a:off x="2590800" y="4191000"/>
+            <a:ext cx="3962400" cy="1143000"/>
+          </a:xfrm>
+        </p:spPr>
         <p:txBody>
           <a:bodyPr>
             <a:normAutofit/>
@@ -5063,18 +5068,7 @@
                 </a:solidFill>
                 <a:latin typeface="Agency FB" pitchFamily="34" charset="0"/>
               </a:rPr>
-              <a:t>Coding website Armada </a:t>
-            </a:r>
-            <a:r>
-              <a:rPr lang="en-US" sz="5400" dirty="0" err="1" smtClean="0">
-                <a:solidFill>
-                  <a:schemeClr val="accent1">
-                    <a:lumMod val="50000"/>
-                  </a:schemeClr>
-                </a:solidFill>
-                <a:latin typeface="Agency FB" pitchFamily="34" charset="0"/>
-              </a:rPr>
-              <a:t>Soundsystem</a:t>
+              <a:t>Coding website </a:t>
             </a:r>
             <a:endParaRPr lang="en-US" sz="5400" dirty="0">
               <a:solidFill>
@@ -5099,8 +5093,8 @@
         </p:nvSpPr>
         <p:spPr>
           <a:xfrm>
-            <a:off x="2590800" y="5003322"/>
-            <a:ext cx="5867400" cy="1371600"/>
+            <a:off x="2590800" y="5410200"/>
+            <a:ext cx="4495800" cy="990600"/>
           </a:xfrm>
         </p:spPr>
         <p:txBody>
@@ -5110,7 +5104,7 @@
           <a:lstStyle/>
           <a:p>
             <a:r>
-              <a:rPr lang="en-US" sz="2800" dirty="0" err="1" smtClean="0">
+              <a:rPr lang="en-US" sz="2800" dirty="0" smtClean="0">
                 <a:solidFill>
                   <a:schemeClr val="accent1">
                     <a:lumMod val="75000"/>
@@ -5118,51 +5112,7 @@
                 </a:solidFill>
                 <a:latin typeface="Agency FB" pitchFamily="34" charset="0"/>
               </a:rPr>
-              <a:t>Melayani</a:t>
-            </a:r>
-            <a:r>
-              <a:rPr lang="en-US" sz="2800" dirty="0" smtClean="0">
-                <a:solidFill>
-                  <a:schemeClr val="accent1">
-                    <a:lumMod val="75000"/>
-                  </a:schemeClr>
-                </a:solidFill>
-                <a:latin typeface="Agency FB" pitchFamily="34" charset="0"/>
-              </a:rPr>
-              <a:t> </a:t>
-            </a:r>
-            <a:r>
-              <a:rPr lang="en-US" sz="2800" dirty="0" err="1" smtClean="0">
-                <a:solidFill>
-                  <a:schemeClr val="accent1">
-                    <a:lumMod val="75000"/>
-                  </a:schemeClr>
-                </a:solidFill>
-                <a:latin typeface="Agency FB" pitchFamily="34" charset="0"/>
-              </a:rPr>
-              <a:t>Sepenuh</a:t>
-            </a:r>
-            <a:r>
-              <a:rPr lang="en-US" sz="2800" dirty="0" smtClean="0">
-                <a:solidFill>
-                  <a:schemeClr val="accent1">
-                    <a:lumMod val="75000"/>
-                  </a:schemeClr>
-                </a:solidFill>
-                <a:latin typeface="Agency FB" pitchFamily="34" charset="0"/>
-              </a:rPr>
-              <a:t> </a:t>
-            </a:r>
-            <a:r>
-              <a:rPr lang="en-US" sz="2800" dirty="0" err="1" smtClean="0">
-                <a:solidFill>
-                  <a:schemeClr val="accent1">
-                    <a:lumMod val="75000"/>
-                  </a:schemeClr>
-                </a:solidFill>
-                <a:latin typeface="Agency FB" pitchFamily="34" charset="0"/>
-              </a:rPr>
-              <a:t>Hati</a:t>
+              <a:t>ARMADA SOUNDSYTEM</a:t>
             </a:r>
             <a:endParaRPr lang="en-US" sz="2800" dirty="0" smtClean="0">
               <a:solidFill>
@@ -5173,40 +5123,32 @@
               <a:latin typeface="Agency FB" pitchFamily="34" charset="0"/>
             </a:endParaRPr>
           </a:p>
-          <a:p>
-            <a:r>
-              <a:rPr lang="en-US" sz="2800" dirty="0" err="1" smtClean="0">
-                <a:solidFill>
-                  <a:schemeClr val="accent1">
-                    <a:lumMod val="75000"/>
-                  </a:schemeClr>
-                </a:solidFill>
-                <a:latin typeface="Agency FB" pitchFamily="34" charset="0"/>
-              </a:rPr>
-              <a:t>Sejak</a:t>
-            </a:r>
-            <a:r>
-              <a:rPr lang="en-US" sz="2800" dirty="0" smtClean="0">
-                <a:solidFill>
-                  <a:schemeClr val="accent1">
-                    <a:lumMod val="75000"/>
-                  </a:schemeClr>
-                </a:solidFill>
-                <a:latin typeface="Agency FB" pitchFamily="34" charset="0"/>
-              </a:rPr>
-              <a:t> 1999</a:t>
-            </a:r>
-            <a:endParaRPr lang="en-US" sz="2800" dirty="0">
-              <a:solidFill>
-                <a:schemeClr val="accent1">
-                  <a:lumMod val="75000"/>
-                </a:schemeClr>
-              </a:solidFill>
-              <a:latin typeface="Agency FB" pitchFamily="34" charset="0"/>
-            </a:endParaRPr>
-          </a:p>
-        </p:txBody>
-      </p:sp>
+        </p:txBody>
+      </p:sp>
+      <p:pic>
+        <p:nvPicPr>
+          <p:cNvPr id="4" name="Picture 3" descr="codingmum.png"/>
+          <p:cNvPicPr>
+            <a:picLocks noChangeAspect="1"/>
+          </p:cNvPicPr>
+          <p:nvPr/>
+        </p:nvPicPr>
+        <p:blipFill>
+          <a:blip r:embed="rId2"/>
+          <a:stretch>
+            <a:fillRect/>
+          </a:stretch>
+        </p:blipFill>
+        <p:spPr>
+          <a:xfrm>
+            <a:off x="4953000" y="152400"/>
+            <a:ext cx="3962400" cy="3962400"/>
+          </a:xfrm>
+          <a:prstGeom prst="rect">
+            <a:avLst/>
+          </a:prstGeom>
+        </p:spPr>
+      </p:pic>
     </p:spTree>
   </p:cSld>
   <p:clrMapOvr>
@@ -5280,29 +5222,11 @@
                   <a:prstDash val="solid"/>
                   <a:miter lim="800000"/>
                 </a:ln>
-                <a:gradFill>
-                  <a:gsLst>
-                    <a:gs pos="10000">
-                      <a:schemeClr val="accent2">
-                        <a:tint val="10000"/>
-                        <a:satMod val="155000"/>
-                      </a:schemeClr>
-                    </a:gs>
-                    <a:gs pos="60000">
-                      <a:schemeClr val="accent2">
-                        <a:tint val="30000"/>
-                        <a:satMod val="155000"/>
-                      </a:schemeClr>
-                    </a:gs>
-                    <a:gs pos="100000">
-                      <a:schemeClr val="accent2">
-                        <a:tint val="73000"/>
-                        <a:satMod val="155000"/>
-                      </a:schemeClr>
-                    </a:gs>
-                  </a:gsLst>
-                  <a:lin ang="5400000"/>
-                </a:gradFill>
+                <a:solidFill>
+                  <a:schemeClr val="accent1">
+                    <a:lumMod val="75000"/>
+                  </a:schemeClr>
+                </a:solidFill>
                 <a:effectLst>
                   <a:outerShdw blurRad="38100" dist="38100" dir="7020000" algn="tl">
                     <a:srgbClr val="000000">
@@ -5326,29 +5250,11 @@
                   <a:prstDash val="solid"/>
                   <a:miter lim="800000"/>
                 </a:ln>
-                <a:gradFill>
-                  <a:gsLst>
-                    <a:gs pos="10000">
-                      <a:schemeClr val="accent2">
-                        <a:tint val="10000"/>
-                        <a:satMod val="155000"/>
-                      </a:schemeClr>
-                    </a:gs>
-                    <a:gs pos="60000">
-                      <a:schemeClr val="accent2">
-                        <a:tint val="30000"/>
-                        <a:satMod val="155000"/>
-                      </a:schemeClr>
-                    </a:gs>
-                    <a:gs pos="100000">
-                      <a:schemeClr val="accent2">
-                        <a:tint val="73000"/>
-                        <a:satMod val="155000"/>
-                      </a:schemeClr>
-                    </a:gs>
-                  </a:gsLst>
-                  <a:lin ang="5400000"/>
-                </a:gradFill>
+                <a:solidFill>
+                  <a:schemeClr val="accent1">
+                    <a:lumMod val="75000"/>
+                  </a:schemeClr>
+                </a:solidFill>
                 <a:effectLst>
                   <a:outerShdw blurRad="38100" dist="38100" dir="7020000" algn="tl">
                     <a:srgbClr val="000000">
@@ -5372,29 +5278,11 @@
                   <a:prstDash val="solid"/>
                   <a:miter lim="800000"/>
                 </a:ln>
-                <a:gradFill>
-                  <a:gsLst>
-                    <a:gs pos="10000">
-                      <a:schemeClr val="accent2">
-                        <a:tint val="10000"/>
-                        <a:satMod val="155000"/>
-                      </a:schemeClr>
-                    </a:gs>
-                    <a:gs pos="60000">
-                      <a:schemeClr val="accent2">
-                        <a:tint val="30000"/>
-                        <a:satMod val="155000"/>
-                      </a:schemeClr>
-                    </a:gs>
-                    <a:gs pos="100000">
-                      <a:schemeClr val="accent2">
-                        <a:tint val="73000"/>
-                        <a:satMod val="155000"/>
-                      </a:schemeClr>
-                    </a:gs>
-                  </a:gsLst>
-                  <a:lin ang="5400000"/>
-                </a:gradFill>
+                <a:solidFill>
+                  <a:schemeClr val="accent1">
+                    <a:lumMod val="75000"/>
+                  </a:schemeClr>
+                </a:solidFill>
                 <a:effectLst>
                   <a:outerShdw blurRad="38100" dist="38100" dir="7020000" algn="tl">
                     <a:srgbClr val="000000">
@@ -5407,6 +5295,11 @@
               <a:t>soundsystem</a:t>
             </a:r>
             <a:endParaRPr lang="en-US" dirty="0">
+              <a:solidFill>
+                <a:schemeClr val="accent1">
+                  <a:lumMod val="75000"/>
+                </a:schemeClr>
+              </a:solidFill>
               <a:latin typeface="Arial Rounded MT Bold" pitchFamily="34" charset="0"/>
             </a:endParaRPr>
           </a:p>
@@ -5427,13 +5320,13 @@
         </p:spPr>
         <p:style>
           <a:lnRef idx="1">
-            <a:schemeClr val="accent5"/>
+            <a:schemeClr val="accent3"/>
           </a:lnRef>
           <a:fillRef idx="2">
-            <a:schemeClr val="accent5"/>
+            <a:schemeClr val="accent3"/>
           </a:fillRef>
           <a:effectRef idx="1">
-            <a:schemeClr val="accent5"/>
+            <a:schemeClr val="accent3"/>
           </a:effectRef>
           <a:fontRef idx="minor">
             <a:schemeClr val="dk1"/>
@@ -5445,7 +5338,7 @@
           <a:p>
             <a:r>
               <a:rPr lang="en-US" sz="3200" dirty="0" err="1" smtClean="0"/>
-              <a:t>Saingan</a:t>
+              <a:t>Jaringan</a:t>
             </a:r>
             <a:r>
               <a:rPr lang="en-US" sz="3200" dirty="0" smtClean="0"/>
@@ -5453,7 +5346,7 @@
             </a:r>
             <a:r>
               <a:rPr lang="en-US" sz="3200" dirty="0" err="1" smtClean="0"/>
-              <a:t>sangat</a:t>
+              <a:t>Bisnis</a:t>
             </a:r>
             <a:r>
               <a:rPr lang="en-US" sz="3200" dirty="0" smtClean="0"/>
@@ -5461,14 +5354,7 @@
             </a:r>
             <a:r>
               <a:rPr lang="en-US" sz="3200" dirty="0" err="1" smtClean="0"/>
-              <a:t>sedikit</a:t>
-            </a:r>
-            <a:endParaRPr lang="en-US" sz="3200" dirty="0" smtClean="0"/>
-          </a:p>
-          <a:p>
-            <a:r>
-              <a:rPr lang="en-US" sz="3200" dirty="0" err="1" smtClean="0"/>
-              <a:t>Jaringan</a:t>
+              <a:t>semakin</a:t>
             </a:r>
             <a:r>
               <a:rPr lang="en-US" sz="3200" dirty="0" smtClean="0"/>
@@ -5476,7 +5362,14 @@
             </a:r>
             <a:r>
               <a:rPr lang="en-US" sz="3200" dirty="0" err="1" smtClean="0"/>
-              <a:t>Bisnis</a:t>
+              <a:t>luas</a:t>
+            </a:r>
+            <a:endParaRPr lang="en-US" sz="3200" dirty="0" smtClean="0"/>
+          </a:p>
+          <a:p>
+            <a:r>
+              <a:rPr lang="en-US" sz="3200" dirty="0" err="1" smtClean="0"/>
+              <a:t>Saingan</a:t>
             </a:r>
             <a:r>
               <a:rPr lang="en-US" sz="3200" dirty="0" smtClean="0"/>
@@ -5484,7 +5377,7 @@
             </a:r>
             <a:r>
               <a:rPr lang="en-US" sz="3200" dirty="0" err="1" smtClean="0"/>
-              <a:t>semakin</a:t>
+              <a:t>sangat</a:t>
             </a:r>
             <a:r>
               <a:rPr lang="en-US" sz="3200" dirty="0" smtClean="0"/>
@@ -5492,7 +5385,7 @@
             </a:r>
             <a:r>
               <a:rPr lang="en-US" sz="3200" dirty="0" err="1" smtClean="0"/>
-              <a:t>luas</a:t>
+              <a:t>sedikit</a:t>
             </a:r>
             <a:endParaRPr lang="en-US" sz="3200" dirty="0" smtClean="0"/>
           </a:p>
@@ -5550,6 +5443,32 @@
             <a:off x="4384675" y="1600200"/>
             <a:ext cx="3429000" cy="4572000"/>
           </a:xfrm>
+        </p:spPr>
+      </p:pic>
+      <p:pic>
+        <p:nvPicPr>
+          <p:cNvPr id="4097" name="Picture 1" descr="C:\Users\user\Documents\GitHub\SGCodingMum\Lylyez\Image\logo\logoarmada.png"/>
+          <p:cNvPicPr>
+            <a:picLocks noChangeAspect="1" noChangeArrowheads="1"/>
+          </p:cNvPicPr>
+          <p:nvPr/>
+        </p:nvPicPr>
+        <p:blipFill>
+          <a:blip r:embed="rId3"/>
+          <a:srcRect/>
+          <a:stretch>
+            <a:fillRect/>
+          </a:stretch>
+        </p:blipFill>
+        <p:spPr bwMode="auto">
+          <a:xfrm>
+            <a:off x="3200400" y="4953000"/>
+            <a:ext cx="2171700" cy="1609725"/>
+          </a:xfrm>
+          <a:prstGeom prst="rect">
+            <a:avLst/>
+          </a:prstGeom>
+          <a:noFill/>
         </p:spPr>
       </p:pic>
     </p:spTree>
@@ -5563,6 +5482,12 @@
 <file path=ppt/slides/slide3.xml><?xml version="1.0" encoding="utf-8"?>
 <p:sld xmlns:a="http://schemas.openxmlformats.org/drawingml/2006/main" xmlns:r="http://schemas.openxmlformats.org/officeDocument/2006/relationships" xmlns:p="http://schemas.openxmlformats.org/presentationml/2006/main">
   <p:cSld>
+    <p:bg>
+      <p:bgPr>
+        <a:noFill/>
+        <a:effectLst/>
+      </p:bgPr>
+    </p:bg>
     <p:spTree>
       <p:nvGrpSpPr>
         <p:cNvPr id="1" name=""/>
@@ -5590,44 +5515,62 @@
         <p:spPr/>
         <p:txBody>
           <a:bodyPr>
-            <a:normAutofit fontScale="90000"/>
-          </a:bodyPr>
-          <a:lstStyle/>
-          <a:p>
-            <a:r>
-              <a:rPr lang="en-US" dirty="0" smtClean="0"/>
-              <a:t/>
-            </a:r>
-            <a:br>
-              <a:rPr lang="en-US" dirty="0" smtClean="0"/>
-            </a:br>
-            <a:endParaRPr lang="en-US" dirty="0"/>
-          </a:p>
-        </p:txBody>
-      </p:sp>
-      <p:sp>
-        <p:nvSpPr>
-          <p:cNvPr id="7" name="Text Placeholder 6"/>
-          <p:cNvSpPr>
-            <a:spLocks noGrp="1"/>
-          </p:cNvSpPr>
-          <p:nvPr>
-            <p:ph type="body" idx="2"/>
-          </p:nvPr>
-        </p:nvSpPr>
-        <p:spPr>
-          <a:xfrm>
-            <a:off x="5334000" y="274320"/>
-            <a:ext cx="3005328" cy="5212080"/>
-          </a:xfrm>
-        </p:spPr>
-        <p:txBody>
-          <a:bodyPr>
             <a:normAutofit/>
           </a:bodyPr>
           <a:lstStyle/>
           <a:p>
-            <a:endParaRPr lang="en-US" sz="2000" dirty="0"/>
+            <a:r>
+              <a:rPr lang="en-US" dirty="0" err="1" smtClean="0">
+                <a:solidFill>
+                  <a:srgbClr val="FF0000"/>
+                </a:solidFill>
+              </a:rPr>
+              <a:t>Manfaat</a:t>
+            </a:r>
+            <a:r>
+              <a:rPr lang="en-US" dirty="0" smtClean="0">
+                <a:solidFill>
+                  <a:srgbClr val="FF0000"/>
+                </a:solidFill>
+              </a:rPr>
+              <a:t> </a:t>
+            </a:r>
+            <a:r>
+              <a:rPr lang="en-US" dirty="0" err="1" smtClean="0">
+                <a:solidFill>
+                  <a:srgbClr val="FF0000"/>
+                </a:solidFill>
+              </a:rPr>
+              <a:t>belajar</a:t>
+            </a:r>
+            <a:r>
+              <a:rPr lang="en-US" dirty="0" smtClean="0">
+                <a:solidFill>
+                  <a:srgbClr val="FF0000"/>
+                </a:solidFill>
+              </a:rPr>
+              <a:t> coding</a:t>
+            </a:r>
+            <a:r>
+              <a:rPr lang="en-US" b="1" dirty="0" smtClean="0">
+                <a:solidFill>
+                  <a:srgbClr val="FF0000"/>
+                </a:solidFill>
+              </a:rPr>
+              <a:t/>
+            </a:r>
+            <a:br>
+              <a:rPr lang="en-US" b="1" dirty="0" smtClean="0">
+                <a:solidFill>
+                  <a:srgbClr val="FF0000"/>
+                </a:solidFill>
+              </a:rPr>
+            </a:br>
+            <a:endParaRPr lang="en-US" b="1" dirty="0">
+              <a:solidFill>
+                <a:srgbClr val="FF0000"/>
+              </a:solidFill>
+            </a:endParaRPr>
           </a:p>
         </p:txBody>
       </p:sp>
@@ -5641,12 +5584,7 @@
             <p:ph sz="quarter" idx="1"/>
           </p:nvPr>
         </p:nvSpPr>
-        <p:spPr>
-          <a:xfrm>
-            <a:off x="304800" y="274320"/>
-            <a:ext cx="5029200" cy="6327648"/>
-          </a:xfrm>
-        </p:spPr>
+        <p:spPr/>
         <p:txBody>
           <a:bodyPr/>
           <a:lstStyle/>
@@ -5657,8 +5595,445 @@
             <a:endParaRPr lang="en-US" dirty="0" smtClean="0"/>
           </a:p>
           <a:p>
-            <a:pPr>
-              <a:buNone/>
+            <a:pPr marL="457200" indent="-457200">
+              <a:buAutoNum type="arabicPeriod"/>
+            </a:pPr>
+            <a:r>
+              <a:rPr lang="en-US" dirty="0" smtClean="0">
+                <a:solidFill>
+                  <a:srgbClr val="FF0000"/>
+                </a:solidFill>
+              </a:rPr>
+              <a:t>Dg skill coding </a:t>
+            </a:r>
+            <a:r>
+              <a:rPr lang="en-US" dirty="0" err="1" smtClean="0">
+                <a:solidFill>
+                  <a:srgbClr val="FF0000"/>
+                </a:solidFill>
+              </a:rPr>
+              <a:t>bisa</a:t>
+            </a:r>
+            <a:r>
+              <a:rPr lang="en-US" dirty="0" smtClean="0">
+                <a:solidFill>
+                  <a:srgbClr val="FF0000"/>
+                </a:solidFill>
+              </a:rPr>
+              <a:t> </a:t>
+            </a:r>
+            <a:r>
+              <a:rPr lang="en-US" dirty="0" err="1" smtClean="0">
+                <a:solidFill>
+                  <a:srgbClr val="FF0000"/>
+                </a:solidFill>
+              </a:rPr>
+              <a:t>leluasa</a:t>
+            </a:r>
+            <a:r>
+              <a:rPr lang="en-US" dirty="0" smtClean="0">
+                <a:solidFill>
+                  <a:srgbClr val="FF0000"/>
+                </a:solidFill>
+              </a:rPr>
+              <a:t> </a:t>
+            </a:r>
+            <a:r>
+              <a:rPr lang="en-US" dirty="0" err="1" smtClean="0">
+                <a:solidFill>
+                  <a:srgbClr val="FF0000"/>
+                </a:solidFill>
+              </a:rPr>
+              <a:t>mengembangkan</a:t>
+            </a:r>
+            <a:r>
+              <a:rPr lang="en-US" dirty="0" smtClean="0">
+                <a:solidFill>
+                  <a:srgbClr val="FF0000"/>
+                </a:solidFill>
+              </a:rPr>
+              <a:t> </a:t>
+            </a:r>
+            <a:r>
+              <a:rPr lang="en-US" dirty="0" err="1" smtClean="0">
+                <a:solidFill>
+                  <a:srgbClr val="FF0000"/>
+                </a:solidFill>
+              </a:rPr>
+              <a:t>ide</a:t>
+            </a:r>
+            <a:r>
+              <a:rPr lang="en-US" dirty="0" smtClean="0">
+                <a:solidFill>
+                  <a:srgbClr val="FF0000"/>
+                </a:solidFill>
+              </a:rPr>
+              <a:t> </a:t>
+            </a:r>
+            <a:r>
+              <a:rPr lang="en-US" dirty="0" err="1" smtClean="0">
+                <a:solidFill>
+                  <a:srgbClr val="FF0000"/>
+                </a:solidFill>
+              </a:rPr>
+              <a:t>serta</a:t>
+            </a:r>
+            <a:r>
+              <a:rPr lang="en-US" dirty="0" smtClean="0">
+                <a:solidFill>
+                  <a:srgbClr val="FF0000"/>
+                </a:solidFill>
+              </a:rPr>
+              <a:t> </a:t>
+            </a:r>
+            <a:r>
+              <a:rPr lang="en-US" dirty="0" err="1" smtClean="0">
+                <a:solidFill>
+                  <a:srgbClr val="FF0000"/>
+                </a:solidFill>
+              </a:rPr>
+              <a:t>berkarya</a:t>
+            </a:r>
+            <a:endParaRPr lang="en-US" dirty="0" smtClean="0">
+              <a:solidFill>
+                <a:srgbClr val="FF0000"/>
+              </a:solidFill>
+            </a:endParaRPr>
+          </a:p>
+          <a:p>
+            <a:pPr marL="457200" indent="-457200">
+              <a:buAutoNum type="arabicPeriod"/>
+            </a:pPr>
+            <a:r>
+              <a:rPr lang="en-US" dirty="0" err="1" smtClean="0">
+                <a:solidFill>
+                  <a:srgbClr val="FF0000"/>
+                </a:solidFill>
+              </a:rPr>
+              <a:t>Kemajuan</a:t>
+            </a:r>
+            <a:r>
+              <a:rPr lang="en-US" dirty="0" smtClean="0">
+                <a:solidFill>
+                  <a:srgbClr val="FF0000"/>
+                </a:solidFill>
+              </a:rPr>
+              <a:t> </a:t>
+            </a:r>
+            <a:r>
+              <a:rPr lang="en-US" dirty="0" err="1" smtClean="0">
+                <a:solidFill>
+                  <a:srgbClr val="FF0000"/>
+                </a:solidFill>
+              </a:rPr>
+              <a:t>teknologi</a:t>
+            </a:r>
+            <a:r>
+              <a:rPr lang="en-US" dirty="0" smtClean="0">
+                <a:solidFill>
+                  <a:srgbClr val="FF0000"/>
+                </a:solidFill>
+              </a:rPr>
+              <a:t> </a:t>
+            </a:r>
+            <a:r>
+              <a:rPr lang="en-US" dirty="0" err="1" smtClean="0">
+                <a:solidFill>
+                  <a:srgbClr val="FF0000"/>
+                </a:solidFill>
+              </a:rPr>
+              <a:t>telah</a:t>
+            </a:r>
+            <a:r>
+              <a:rPr lang="en-US" dirty="0" smtClean="0">
+                <a:solidFill>
+                  <a:srgbClr val="FF0000"/>
+                </a:solidFill>
+              </a:rPr>
+              <a:t> </a:t>
+            </a:r>
+            <a:r>
+              <a:rPr lang="en-US" dirty="0" err="1" smtClean="0">
+                <a:solidFill>
+                  <a:srgbClr val="FF0000"/>
+                </a:solidFill>
+              </a:rPr>
+              <a:t>byk</a:t>
+            </a:r>
+            <a:r>
+              <a:rPr lang="en-US" dirty="0" smtClean="0">
+                <a:solidFill>
+                  <a:srgbClr val="FF0000"/>
+                </a:solidFill>
+              </a:rPr>
+              <a:t> </a:t>
+            </a:r>
+            <a:r>
+              <a:rPr lang="en-US" dirty="0" err="1" smtClean="0">
+                <a:solidFill>
+                  <a:srgbClr val="FF0000"/>
+                </a:solidFill>
+              </a:rPr>
+              <a:t>mengubah</a:t>
+            </a:r>
+            <a:r>
+              <a:rPr lang="en-US" dirty="0" smtClean="0">
+                <a:solidFill>
+                  <a:srgbClr val="FF0000"/>
+                </a:solidFill>
+              </a:rPr>
+              <a:t> </a:t>
+            </a:r>
+            <a:r>
+              <a:rPr lang="en-US" dirty="0" err="1" smtClean="0">
+                <a:solidFill>
+                  <a:srgbClr val="FF0000"/>
+                </a:solidFill>
+              </a:rPr>
+              <a:t>cara</a:t>
+            </a:r>
+            <a:r>
+              <a:rPr lang="en-US" dirty="0" smtClean="0">
+                <a:solidFill>
+                  <a:srgbClr val="FF0000"/>
+                </a:solidFill>
+              </a:rPr>
+              <a:t> </a:t>
+            </a:r>
+            <a:r>
+              <a:rPr lang="en-US" dirty="0" err="1" smtClean="0">
+                <a:solidFill>
+                  <a:srgbClr val="FF0000"/>
+                </a:solidFill>
+              </a:rPr>
+              <a:t>berfikir</a:t>
+            </a:r>
+            <a:r>
+              <a:rPr lang="en-US" dirty="0" smtClean="0">
+                <a:solidFill>
+                  <a:srgbClr val="FF0000"/>
+                </a:solidFill>
+              </a:rPr>
+              <a:t> </a:t>
+            </a:r>
+            <a:r>
+              <a:rPr lang="en-US" dirty="0" err="1" smtClean="0">
+                <a:solidFill>
+                  <a:srgbClr val="FF0000"/>
+                </a:solidFill>
+              </a:rPr>
+              <a:t>yg</a:t>
+            </a:r>
+            <a:r>
+              <a:rPr lang="en-US" dirty="0" smtClean="0">
+                <a:solidFill>
+                  <a:srgbClr val="FF0000"/>
+                </a:solidFill>
+              </a:rPr>
+              <a:t> </a:t>
+            </a:r>
+            <a:r>
+              <a:rPr lang="en-US" dirty="0" err="1" smtClean="0">
+                <a:solidFill>
+                  <a:srgbClr val="FF0000"/>
+                </a:solidFill>
+              </a:rPr>
+              <a:t>baik</a:t>
+            </a:r>
+            <a:endParaRPr lang="en-US" dirty="0" smtClean="0">
+              <a:solidFill>
+                <a:srgbClr val="FF0000"/>
+              </a:solidFill>
+            </a:endParaRPr>
+          </a:p>
+          <a:p>
+            <a:pPr marL="457200" indent="-457200">
+              <a:buAutoNum type="arabicPeriod"/>
+            </a:pPr>
+            <a:r>
+              <a:rPr lang="en-US" dirty="0" err="1" smtClean="0">
+                <a:solidFill>
+                  <a:srgbClr val="FF0000"/>
+                </a:solidFill>
+              </a:rPr>
+              <a:t>Menebarkan</a:t>
+            </a:r>
+            <a:r>
+              <a:rPr lang="en-US" dirty="0" smtClean="0">
+                <a:solidFill>
+                  <a:srgbClr val="FF0000"/>
+                </a:solidFill>
+              </a:rPr>
+              <a:t> </a:t>
+            </a:r>
+            <a:r>
+              <a:rPr lang="en-US" dirty="0" err="1" smtClean="0">
+                <a:solidFill>
+                  <a:srgbClr val="FF0000"/>
+                </a:solidFill>
+              </a:rPr>
+              <a:t>optimis</a:t>
+            </a:r>
+            <a:r>
+              <a:rPr lang="en-US" dirty="0" smtClean="0">
+                <a:solidFill>
+                  <a:srgbClr val="FF0000"/>
+                </a:solidFill>
+              </a:rPr>
+              <a:t>, </a:t>
+            </a:r>
+            <a:r>
+              <a:rPr lang="en-US" dirty="0" err="1" smtClean="0">
+                <a:solidFill>
+                  <a:srgbClr val="FF0000"/>
+                </a:solidFill>
+              </a:rPr>
+              <a:t>inspirasi</a:t>
+            </a:r>
+            <a:endParaRPr lang="en-US" dirty="0" smtClean="0">
+              <a:solidFill>
+                <a:srgbClr val="FF0000"/>
+              </a:solidFill>
+            </a:endParaRPr>
+          </a:p>
+          <a:p>
+            <a:pPr marL="457200" indent="-457200">
+              <a:buAutoNum type="arabicPeriod"/>
+            </a:pPr>
+            <a:r>
+              <a:rPr lang="en-US" dirty="0" err="1" smtClean="0">
+                <a:solidFill>
+                  <a:srgbClr val="FF0000"/>
+                </a:solidFill>
+              </a:rPr>
+              <a:t>Harapan</a:t>
+            </a:r>
+            <a:r>
+              <a:rPr lang="en-US" dirty="0" smtClean="0">
+                <a:solidFill>
+                  <a:srgbClr val="FF0000"/>
+                </a:solidFill>
+              </a:rPr>
+              <a:t> </a:t>
+            </a:r>
+            <a:r>
+              <a:rPr lang="en-US" dirty="0" err="1" smtClean="0">
+                <a:solidFill>
+                  <a:srgbClr val="FF0000"/>
+                </a:solidFill>
+              </a:rPr>
+              <a:t>memajukan</a:t>
+            </a:r>
+            <a:r>
+              <a:rPr lang="en-US" dirty="0" smtClean="0">
+                <a:solidFill>
+                  <a:srgbClr val="FF0000"/>
+                </a:solidFill>
+              </a:rPr>
+              <a:t> </a:t>
+            </a:r>
+            <a:r>
+              <a:rPr lang="en-US" dirty="0" err="1" smtClean="0">
+                <a:solidFill>
+                  <a:srgbClr val="FF0000"/>
+                </a:solidFill>
+              </a:rPr>
+              <a:t>indonesia</a:t>
+            </a:r>
+            <a:endParaRPr lang="en-US" dirty="0" smtClean="0">
+              <a:solidFill>
+                <a:srgbClr val="FF0000"/>
+              </a:solidFill>
+            </a:endParaRPr>
+          </a:p>
+          <a:p>
+            <a:pPr marL="457200" indent="-457200">
+              <a:buAutoNum type="arabicPeriod"/>
+            </a:pPr>
+            <a:r>
+              <a:rPr lang="en-US" dirty="0" err="1" smtClean="0">
+                <a:solidFill>
+                  <a:srgbClr val="FF0000"/>
+                </a:solidFill>
+              </a:rPr>
+              <a:t>Menciptakan</a:t>
+            </a:r>
+            <a:r>
+              <a:rPr lang="en-US" dirty="0" smtClean="0">
+                <a:solidFill>
+                  <a:srgbClr val="FF0000"/>
+                </a:solidFill>
+              </a:rPr>
+              <a:t> </a:t>
+            </a:r>
+            <a:r>
+              <a:rPr lang="en-US" dirty="0" err="1" smtClean="0">
+                <a:solidFill>
+                  <a:srgbClr val="FF0000"/>
+                </a:solidFill>
+              </a:rPr>
+              <a:t>generasi</a:t>
+            </a:r>
+            <a:r>
+              <a:rPr lang="en-US" dirty="0" smtClean="0">
+                <a:solidFill>
+                  <a:srgbClr val="FF0000"/>
+                </a:solidFill>
+              </a:rPr>
+              <a:t> </a:t>
+            </a:r>
+            <a:r>
+              <a:rPr lang="en-US" dirty="0" err="1" smtClean="0">
+                <a:solidFill>
+                  <a:srgbClr val="FF0000"/>
+                </a:solidFill>
+              </a:rPr>
+              <a:t>yg</a:t>
+            </a:r>
+            <a:r>
+              <a:rPr lang="en-US" dirty="0" smtClean="0">
+                <a:solidFill>
+                  <a:srgbClr val="FF0000"/>
+                </a:solidFill>
+              </a:rPr>
+              <a:t> </a:t>
+            </a:r>
+            <a:r>
+              <a:rPr lang="en-US" dirty="0" err="1" smtClean="0">
+                <a:solidFill>
+                  <a:srgbClr val="FF0000"/>
+                </a:solidFill>
+              </a:rPr>
+              <a:t>berpotensi</a:t>
+            </a:r>
+            <a:r>
+              <a:rPr lang="en-US" dirty="0" smtClean="0">
+                <a:solidFill>
+                  <a:srgbClr val="FF0000"/>
+                </a:solidFill>
+              </a:rPr>
+              <a:t> </a:t>
+            </a:r>
+            <a:r>
+              <a:rPr lang="en-US" dirty="0" err="1" smtClean="0">
+                <a:solidFill>
+                  <a:srgbClr val="FF0000"/>
+                </a:solidFill>
+              </a:rPr>
+              <a:t>cerdas</a:t>
+            </a:r>
+            <a:r>
+              <a:rPr lang="en-US" dirty="0" smtClean="0">
+                <a:solidFill>
+                  <a:srgbClr val="FF0000"/>
+                </a:solidFill>
+              </a:rPr>
+              <a:t> (BMI)</a:t>
+            </a:r>
+          </a:p>
+          <a:p>
+            <a:pPr marL="457200" indent="-457200">
+              <a:buAutoNum type="arabicPeriod"/>
             </a:pPr>
             <a:endParaRPr lang="en-US" dirty="0" smtClean="0"/>
           </a:p>
@@ -5666,25 +6041,82 @@
       </p:sp>
       <p:pic>
         <p:nvPicPr>
-          <p:cNvPr id="6" name="Content Placeholder 5" descr="IMG_20140927_00152457.jpg"/>
+          <p:cNvPr id="3074" name="Picture 2" descr=" "/>
           <p:cNvPicPr>
-            <a:picLocks noGrp="1" noChangeAspect="1"/>
+            <a:picLocks noChangeAspect="1" noChangeArrowheads="1" noCrop="1"/>
           </p:cNvPicPr>
-          <p:nvPr>
-            <p:ph sz="quarter" idx="4294967295"/>
-          </p:nvPr>
+          <p:nvPr/>
         </p:nvPicPr>
         <p:blipFill>
           <a:blip r:embed="rId2"/>
+          <a:srcRect/>
           <a:stretch>
             <a:fillRect/>
           </a:stretch>
         </p:blipFill>
-        <p:spPr>
-          <a:xfrm>
-            <a:off x="0" y="381000"/>
-            <a:ext cx="4572000" cy="6019800"/>
-          </a:xfrm>
+        <p:spPr bwMode="auto">
+          <a:xfrm>
+            <a:off x="3124200" y="5181600"/>
+            <a:ext cx="2133600" cy="1447800"/>
+          </a:xfrm>
+          <a:prstGeom prst="rect">
+            <a:avLst/>
+          </a:prstGeom>
+          <a:noFill/>
+        </p:spPr>
+      </p:pic>
+      <p:pic>
+        <p:nvPicPr>
+          <p:cNvPr id="3076" name="Picture 4" descr=" "/>
+          <p:cNvPicPr>
+            <a:picLocks noChangeAspect="1" noChangeArrowheads="1"/>
+          </p:cNvPicPr>
+          <p:nvPr/>
+        </p:nvPicPr>
+        <p:blipFill>
+          <a:blip r:embed="rId3"/>
+          <a:srcRect/>
+          <a:stretch>
+            <a:fillRect/>
+          </a:stretch>
+        </p:blipFill>
+        <p:spPr bwMode="auto">
+          <a:xfrm>
+            <a:off x="5867400" y="0"/>
+            <a:ext cx="2971800" cy="1400175"/>
+          </a:xfrm>
+          <a:prstGeom prst="rect">
+            <a:avLst/>
+          </a:prstGeom>
+          <a:noFill/>
+        </p:spPr>
+      </p:pic>
+      <p:pic>
+        <p:nvPicPr>
+          <p:cNvPr id="3078" name="Picture 6" descr="http://pinkyangga.files.wordpress.com/2008/12/indonesia1.jpg">
+            <a:hlinkClick r:id="rId4"/>
+          </p:cNvPr>
+          <p:cNvPicPr>
+            <a:picLocks noChangeAspect="1" noChangeArrowheads="1"/>
+          </p:cNvPicPr>
+          <p:nvPr/>
+        </p:nvPicPr>
+        <p:blipFill>
+          <a:blip r:embed="rId5"/>
+          <a:srcRect/>
+          <a:stretch>
+            <a:fillRect/>
+          </a:stretch>
+        </p:blipFill>
+        <p:spPr bwMode="auto">
+          <a:xfrm>
+            <a:off x="5715000" y="5029200"/>
+            <a:ext cx="2327031" cy="1643063"/>
+          </a:xfrm>
+          <a:prstGeom prst="rect">
+            <a:avLst/>
+          </a:prstGeom>
+          <a:noFill/>
         </p:spPr>
       </p:pic>
     </p:spTree>
@@ -5818,8 +6250,9 @@
             </a:pPr>
             <a:r>
               <a:rPr lang="en-US" sz="2800" dirty="0" smtClean="0"/>
-              <a:t>&lt;</a:t>
-            </a:r>
+              <a:t>&lt;table&gt;&lt;/table&gt;</a:t>
+            </a:r>
+            <a:endParaRPr lang="en-US" sz="2800" dirty="0" smtClean="0"/>
           </a:p>
           <a:p>
             <a:pPr marL="457200" indent="-457200">
@@ -5829,6 +6262,23 @@
               <a:rPr lang="en-US" sz="2800" dirty="0" smtClean="0"/>
               <a:t>&lt;</a:t>
             </a:r>
+            <a:r>
+              <a:rPr lang="en-US" sz="2800" dirty="0" err="1" smtClean="0"/>
+              <a:t>tr</a:t>
+            </a:r>
+            <a:r>
+              <a:rPr lang="en-US" sz="2800" dirty="0" smtClean="0"/>
+              <a:t>&gt;&lt;/</a:t>
+            </a:r>
+            <a:r>
+              <a:rPr lang="en-US" sz="2800" dirty="0" err="1" smtClean="0"/>
+              <a:t>tr</a:t>
+            </a:r>
+            <a:r>
+              <a:rPr lang="en-US" sz="2800" dirty="0" smtClean="0"/>
+              <a:t>&gt;</a:t>
+            </a:r>
+            <a:endParaRPr lang="en-US" sz="2800" dirty="0" smtClean="0"/>
           </a:p>
           <a:p>
             <a:pPr marL="457200" indent="-457200">
@@ -5836,8 +6286,9 @@
             </a:pPr>
             <a:r>
               <a:rPr lang="en-US" sz="2800" dirty="0" smtClean="0"/>
-              <a:t>&lt;</a:t>
-            </a:r>
+              <a:t>&lt;td&gt;&lt;td&gt;</a:t>
+            </a:r>
+            <a:endParaRPr lang="en-US" sz="2800" dirty="0" smtClean="0"/>
           </a:p>
           <a:p>
             <a:pPr marL="457200" indent="-457200">
@@ -5845,7 +6296,7 @@
             </a:pPr>
             <a:r>
               <a:rPr lang="en-US" sz="2800" dirty="0" smtClean="0"/>
-              <a:t>&lt;</a:t>
+              <a:t>&lt;div class=“ “&gt;</a:t>
             </a:r>
           </a:p>
           <a:p>
@@ -5854,8 +6305,37 @@
             </a:pPr>
             <a:r>
               <a:rPr lang="en-US" sz="2800" dirty="0" smtClean="0"/>
+              <a:t>&lt;div id=“ “&gt;</a:t>
+            </a:r>
+          </a:p>
+          <a:p>
+            <a:pPr marL="457200" indent="-457200">
+              <a:buAutoNum type="arabicPeriod"/>
+            </a:pPr>
+            <a:r>
+              <a:rPr lang="en-US" sz="2800" dirty="0" smtClean="0"/>
               <a:t>&lt;</a:t>
             </a:r>
+            <a:r>
+              <a:rPr lang="en-US" sz="2800" dirty="0" err="1" smtClean="0"/>
+              <a:t>marque</a:t>
+            </a:r>
+            <a:r>
+              <a:rPr lang="en-US" sz="2800" dirty="0" smtClean="0"/>
+              <a:t>&gt; &lt;</a:t>
+            </a:r>
+            <a:endParaRPr lang="en-US" sz="2800" dirty="0" smtClean="0"/>
+          </a:p>
+          <a:p>
+            <a:pPr marL="457200" indent="-457200">
+              <a:buFont typeface="Wingdings"/>
+              <a:buAutoNum type="arabicPeriod"/>
+            </a:pPr>
+            <a:r>
+              <a:rPr lang="en-US" sz="2800" dirty="0" smtClean="0"/>
+              <a:t>&lt;</a:t>
+            </a:r>
+            <a:endParaRPr lang="en-US" sz="2800" dirty="0" smtClean="0"/>
           </a:p>
           <a:p>
             <a:pPr marL="457200" indent="-457200">
@@ -5877,17 +6357,17 @@
         </p:nvSpPr>
         <p:spPr/>
         <p:style>
-          <a:lnRef idx="3">
-            <a:schemeClr val="lt1"/>
+          <a:lnRef idx="1">
+            <a:schemeClr val="accent2"/>
           </a:lnRef>
-          <a:fillRef idx="1">
-            <a:schemeClr val="accent1"/>
+          <a:fillRef idx="2">
+            <a:schemeClr val="accent2"/>
           </a:fillRef>
           <a:effectRef idx="1">
-            <a:schemeClr val="accent1"/>
+            <a:schemeClr val="accent2"/>
           </a:effectRef>
           <a:fontRef idx="minor">
-            <a:schemeClr val="lt1"/>
+            <a:schemeClr val="dk1"/>
           </a:fontRef>
         </p:style>
         <p:txBody>
@@ -5909,18 +6389,58 @@
               <a:buAutoNum type="arabicPeriod"/>
             </a:pPr>
             <a:r>
-              <a:rPr lang="en-US" sz="3200" dirty="0" smtClean="0"/>
-              <a:t>&lt;</a:t>
-            </a:r>
+              <a:rPr lang="en-US" sz="2800" dirty="0" smtClean="0"/>
+              <a:t>#table-</a:t>
+            </a:r>
+            <a:endParaRPr lang="en-US" sz="2800" dirty="0" smtClean="0"/>
           </a:p>
           <a:p>
             <a:pPr marL="457200" indent="-457200">
               <a:buAutoNum type="arabicPeriod"/>
             </a:pPr>
             <a:r>
-              <a:rPr lang="en-US" sz="3200" dirty="0" smtClean="0"/>
-              <a:t>&lt;</a:t>
-            </a:r>
+              <a:rPr lang="en-US" sz="2800" dirty="0" smtClean="0"/>
+              <a:t>#div</a:t>
+            </a:r>
+          </a:p>
+          <a:p>
+            <a:pPr marL="457200" indent="-457200">
+              <a:buAutoNum type="arabicPeriod"/>
+            </a:pPr>
+            <a:r>
+              <a:rPr lang="en-US" sz="2800" dirty="0" smtClean="0"/>
+              <a:t>#</a:t>
+            </a:r>
+          </a:p>
+          <a:p>
+            <a:pPr marL="457200" indent="-457200">
+              <a:buAutoNum type="arabicPeriod"/>
+            </a:pPr>
+            <a:r>
+              <a:rPr lang="en-US" sz="2800" dirty="0" smtClean="0"/>
+              <a:t>.</a:t>
+            </a:r>
+          </a:p>
+          <a:p>
+            <a:pPr marL="457200" indent="-457200">
+              <a:buAutoNum type="arabicPeriod"/>
+            </a:pPr>
+            <a:r>
+              <a:rPr lang="en-US" sz="2800" dirty="0" smtClean="0"/>
+              <a:t>.</a:t>
+            </a:r>
+          </a:p>
+          <a:p>
+            <a:pPr marL="457200" indent="-457200">
+              <a:buNone/>
+            </a:pPr>
+            <a:endParaRPr lang="en-US" sz="2800" dirty="0" smtClean="0"/>
+          </a:p>
+          <a:p>
+            <a:pPr marL="457200" indent="-457200">
+              <a:buAutoNum type="arabicPeriod"/>
+            </a:pPr>
+            <a:endParaRPr lang="en-US" sz="3200" dirty="0" smtClean="0"/>
           </a:p>
           <a:p>
             <a:pPr marL="457200" indent="-457200">
@@ -5930,6 +6450,34 @@
           </a:p>
         </p:txBody>
       </p:sp>
+      <p:pic>
+        <p:nvPicPr>
+          <p:cNvPr id="2052" name="Picture 4" descr="Image result for logo html">
+            <a:hlinkClick r:id="rId2" tooltip="Search images of logo html"/>
+          </p:cNvPr>
+          <p:cNvPicPr>
+            <a:picLocks noChangeAspect="1" noChangeArrowheads="1"/>
+          </p:cNvPicPr>
+          <p:nvPr/>
+        </p:nvPicPr>
+        <p:blipFill>
+          <a:blip r:embed="rId3"/>
+          <a:srcRect/>
+          <a:stretch>
+            <a:fillRect/>
+          </a:stretch>
+        </p:blipFill>
+        <p:spPr bwMode="auto">
+          <a:xfrm>
+            <a:off x="3048000" y="5715000"/>
+            <a:ext cx="2286000" cy="1143000"/>
+          </a:xfrm>
+          <a:prstGeom prst="rect">
+            <a:avLst/>
+          </a:prstGeom>
+          <a:noFill/>
+        </p:spPr>
+      </p:pic>
     </p:spTree>
   </p:cSld>
   <p:clrMapOvr>
@@ -5967,8 +6515,8 @@
         </p:nvSpPr>
         <p:spPr>
           <a:xfrm>
-            <a:off x="533400" y="381000"/>
-            <a:ext cx="7239000" cy="1371600"/>
+            <a:off x="533400" y="304800"/>
+            <a:ext cx="7239000" cy="914400"/>
           </a:xfrm>
         </p:spPr>
         <p:txBody>
@@ -5979,10 +6527,34 @@
           <a:p>
             <a:pPr algn="ctr"/>
             <a:r>
-              <a:rPr lang="en-US" sz="4000" dirty="0" err="1" smtClean="0"/>
-              <a:t>penutup</a:t>
-            </a:r>
-            <a:endParaRPr lang="en-US" sz="4000" dirty="0"/>
+              <a:rPr lang="en-US" sz="4000" b="1" dirty="0" err="1" smtClean="0">
+                <a:solidFill>
+                  <a:srgbClr val="7030A0"/>
+                </a:solidFill>
+              </a:rPr>
+              <a:t>Terima</a:t>
+            </a:r>
+            <a:r>
+              <a:rPr lang="en-US" sz="4000" b="1" dirty="0" smtClean="0">
+                <a:solidFill>
+                  <a:srgbClr val="7030A0"/>
+                </a:solidFill>
+              </a:rPr>
+              <a:t> </a:t>
+            </a:r>
+            <a:r>
+              <a:rPr lang="en-US" sz="4000" b="1" dirty="0" err="1" smtClean="0">
+                <a:solidFill>
+                  <a:srgbClr val="7030A0"/>
+                </a:solidFill>
+              </a:rPr>
+              <a:t>kasih</a:t>
+            </a:r>
+            <a:endParaRPr lang="en-US" sz="4000" b="1" dirty="0">
+              <a:solidFill>
+                <a:srgbClr val="7030A0"/>
+              </a:solidFill>
+            </a:endParaRPr>
           </a:p>
         </p:txBody>
       </p:sp>
@@ -6048,22 +6620,305 @@
             </a:endParaRPr>
           </a:p>
           <a:p>
+            <a:endParaRPr lang="en-US" dirty="0" smtClean="0"/>
+          </a:p>
+          <a:p>
+            <a:endParaRPr lang="en-US" dirty="0" smtClean="0"/>
+          </a:p>
+          <a:p>
+            <a:endParaRPr lang="en-US" dirty="0" smtClean="0"/>
+          </a:p>
+          <a:p>
+            <a:endParaRPr lang="en-US" dirty="0" smtClean="0"/>
+          </a:p>
+          <a:p>
+            <a:endParaRPr lang="en-US" dirty="0" smtClean="0"/>
+          </a:p>
+          <a:p>
+            <a:endParaRPr lang="en-US" dirty="0" smtClean="0"/>
+          </a:p>
+          <a:p>
             <a:r>
               <a:rPr lang="en-US" dirty="0" smtClean="0"/>
-              <a:t>BLA</a:t>
-            </a:r>
-          </a:p>
-          <a:p>
+              <a:t>Dan </a:t>
+            </a:r>
+            <a:r>
+              <a:rPr lang="en-US" dirty="0" err="1" smtClean="0"/>
+              <a:t>semua</a:t>
+            </a:r>
             <a:r>
               <a:rPr lang="en-US" dirty="0" smtClean="0"/>
-              <a:t>BLA</a:t>
-            </a:r>
+              <a:t> </a:t>
+            </a:r>
+            <a:r>
+              <a:rPr lang="en-US" dirty="0" err="1" smtClean="0"/>
+              <a:t>lembaga</a:t>
+            </a:r>
+            <a:r>
+              <a:rPr lang="en-US" dirty="0" smtClean="0"/>
+              <a:t>/</a:t>
+            </a:r>
+            <a:r>
+              <a:rPr lang="en-US" dirty="0" err="1" smtClean="0"/>
+              <a:t>pihak</a:t>
+            </a:r>
+            <a:r>
+              <a:rPr lang="en-US" dirty="0" smtClean="0"/>
+              <a:t> </a:t>
+            </a:r>
+            <a:r>
+              <a:rPr lang="en-US" dirty="0" err="1" smtClean="0"/>
+              <a:t>yg</a:t>
+            </a:r>
+            <a:r>
+              <a:rPr lang="en-US" dirty="0" smtClean="0"/>
+              <a:t> </a:t>
+            </a:r>
+            <a:r>
+              <a:rPr lang="en-US" dirty="0" err="1" smtClean="0"/>
+              <a:t>telah</a:t>
+            </a:r>
+            <a:r>
+              <a:rPr lang="en-US" dirty="0" smtClean="0"/>
+              <a:t> </a:t>
+            </a:r>
+            <a:r>
+              <a:rPr lang="en-US" dirty="0" err="1" smtClean="0"/>
+              <a:t>mendukung</a:t>
+            </a:r>
+            <a:r>
+              <a:rPr lang="en-US" dirty="0" smtClean="0"/>
+              <a:t> </a:t>
+            </a:r>
+            <a:r>
+              <a:rPr lang="en-US" dirty="0" err="1" smtClean="0"/>
+              <a:t>lancarnya</a:t>
+            </a:r>
+            <a:r>
+              <a:rPr lang="en-US" dirty="0" smtClean="0"/>
+              <a:t> </a:t>
+            </a:r>
+            <a:r>
+              <a:rPr lang="en-US" dirty="0" err="1" smtClean="0"/>
+              <a:t>proses</a:t>
+            </a:r>
+            <a:r>
+              <a:rPr lang="en-US" dirty="0" smtClean="0"/>
+              <a:t> </a:t>
+            </a:r>
+            <a:r>
+              <a:rPr lang="en-US" dirty="0" err="1" smtClean="0"/>
+              <a:t>kelas</a:t>
+            </a:r>
+            <a:r>
+              <a:rPr lang="en-US" dirty="0" smtClean="0"/>
+              <a:t> coding </a:t>
+            </a:r>
+          </a:p>
+          <a:p>
+            <a:r>
+              <a:rPr lang="en-US" dirty="0" smtClean="0"/>
+              <a:t>Special </a:t>
+            </a:r>
+            <a:r>
+              <a:rPr lang="en-US" dirty="0" err="1" smtClean="0"/>
+              <a:t>terima</a:t>
+            </a:r>
+            <a:r>
+              <a:rPr lang="en-US" dirty="0" smtClean="0"/>
+              <a:t> </a:t>
+            </a:r>
+            <a:r>
+              <a:rPr lang="en-US" dirty="0" err="1" smtClean="0"/>
+              <a:t>kasih</a:t>
+            </a:r>
+            <a:r>
+              <a:rPr lang="en-US" dirty="0" smtClean="0"/>
+              <a:t> </a:t>
+            </a:r>
+            <a:r>
+              <a:rPr lang="en-US" dirty="0" err="1" smtClean="0"/>
+              <a:t>buat</a:t>
+            </a:r>
+            <a:r>
+              <a:rPr lang="en-US" dirty="0" smtClean="0"/>
+              <a:t> </a:t>
+            </a:r>
+            <a:r>
+              <a:rPr lang="en-US" dirty="0" err="1" smtClean="0"/>
+              <a:t>para</a:t>
+            </a:r>
+            <a:r>
+              <a:rPr lang="en-US" dirty="0" smtClean="0"/>
+              <a:t> TUTOR </a:t>
+            </a:r>
+            <a:endParaRPr lang="en-US" dirty="0" smtClean="0"/>
           </a:p>
           <a:p>
             <a:endParaRPr lang="en-US" dirty="0"/>
           </a:p>
         </p:txBody>
       </p:sp>
+      <p:pic>
+        <p:nvPicPr>
+          <p:cNvPr id="4" name="Picture 3" descr="codingmum.png"/>
+          <p:cNvPicPr>
+            <a:picLocks noChangeAspect="1"/>
+          </p:cNvPicPr>
+          <p:nvPr/>
+        </p:nvPicPr>
+        <p:blipFill>
+          <a:blip r:embed="rId2" cstate="print"/>
+          <a:stretch>
+            <a:fillRect/>
+          </a:stretch>
+        </p:blipFill>
+        <p:spPr>
+          <a:xfrm>
+            <a:off x="6629400" y="228600"/>
+            <a:ext cx="1981200" cy="1981200"/>
+          </a:xfrm>
+          <a:prstGeom prst="rect">
+            <a:avLst/>
+          </a:prstGeom>
+        </p:spPr>
+      </p:pic>
+      <p:pic>
+        <p:nvPicPr>
+          <p:cNvPr id="1026" name="Picture 2" descr="Berkas:Badan Ekonomi Kratif Indonesia.jpg">
+            <a:hlinkClick r:id="rId3"/>
+          </p:cNvPr>
+          <p:cNvPicPr>
+            <a:picLocks noChangeAspect="1" noChangeArrowheads="1"/>
+          </p:cNvPicPr>
+          <p:nvPr/>
+        </p:nvPicPr>
+        <p:blipFill>
+          <a:blip r:embed="rId4"/>
+          <a:srcRect/>
+          <a:stretch>
+            <a:fillRect/>
+          </a:stretch>
+        </p:blipFill>
+        <p:spPr bwMode="auto">
+          <a:xfrm>
+            <a:off x="457200" y="1524000"/>
+            <a:ext cx="1676400" cy="1676400"/>
+          </a:xfrm>
+          <a:prstGeom prst="rect">
+            <a:avLst/>
+          </a:prstGeom>
+          <a:noFill/>
+        </p:spPr>
+      </p:pic>
+      <p:pic>
+        <p:nvPicPr>
+          <p:cNvPr id="1030" name="Picture 6" descr="Image result for logo bank mandiri">
+            <a:hlinkClick r:id="rId5" tooltip="Search images of logo bank mandiri"/>
+          </p:cNvPr>
+          <p:cNvPicPr>
+            <a:picLocks noChangeAspect="1" noChangeArrowheads="1"/>
+          </p:cNvPicPr>
+          <p:nvPr/>
+        </p:nvPicPr>
+        <p:blipFill>
+          <a:blip r:embed="rId6"/>
+          <a:srcRect/>
+          <a:stretch>
+            <a:fillRect/>
+          </a:stretch>
+        </p:blipFill>
+        <p:spPr bwMode="auto">
+          <a:xfrm>
+            <a:off x="3886200" y="1676400"/>
+            <a:ext cx="2667000" cy="1203196"/>
+          </a:xfrm>
+          <a:prstGeom prst="rect">
+            <a:avLst/>
+          </a:prstGeom>
+          <a:noFill/>
+        </p:spPr>
+      </p:pic>
+      <p:pic>
+        <p:nvPicPr>
+          <p:cNvPr id="1032" name="Picture 8" descr="http://sekolahindonesia.sg/wp-content/uploads/2015/08/sis_300.png"/>
+          <p:cNvPicPr>
+            <a:picLocks noChangeAspect="1" noChangeArrowheads="1"/>
+          </p:cNvPicPr>
+          <p:nvPr/>
+        </p:nvPicPr>
+        <p:blipFill>
+          <a:blip r:embed="rId7"/>
+          <a:srcRect/>
+          <a:stretch>
+            <a:fillRect/>
+          </a:stretch>
+        </p:blipFill>
+        <p:spPr bwMode="auto">
+          <a:xfrm>
+            <a:off x="4267200" y="2895600"/>
+            <a:ext cx="1828800" cy="1672046"/>
+          </a:xfrm>
+          <a:prstGeom prst="rect">
+            <a:avLst/>
+          </a:prstGeom>
+          <a:noFill/>
+        </p:spPr>
+      </p:pic>
+      <p:pic>
+        <p:nvPicPr>
+          <p:cNvPr id="1036" name="Picture 12" descr="Embassy of The Republic of Indonesia Singapore"/>
+          <p:cNvPicPr>
+            <a:picLocks noChangeAspect="1" noChangeArrowheads="1"/>
+          </p:cNvPicPr>
+          <p:nvPr/>
+        </p:nvPicPr>
+        <p:blipFill>
+          <a:blip r:embed="rId8"/>
+          <a:srcRect/>
+          <a:stretch>
+            <a:fillRect/>
+          </a:stretch>
+        </p:blipFill>
+        <p:spPr bwMode="auto">
+          <a:xfrm>
+            <a:off x="6705600" y="2819400"/>
+            <a:ext cx="1523999" cy="1524000"/>
+          </a:xfrm>
+          <a:prstGeom prst="rect">
+            <a:avLst/>
+          </a:prstGeom>
+          <a:noFill/>
+        </p:spPr>
+      </p:pic>
+      <p:pic>
+        <p:nvPicPr>
+          <p:cNvPr id="1038" name="Picture 14" descr="Logo Kemnaker.png">
+            <a:hlinkClick r:id="rId9"/>
+          </p:cNvPr>
+          <p:cNvPicPr>
+            <a:picLocks noChangeAspect="1" noChangeArrowheads="1"/>
+          </p:cNvPicPr>
+          <p:nvPr/>
+        </p:nvPicPr>
+        <p:blipFill>
+          <a:blip r:embed="rId10"/>
+          <a:srcRect/>
+          <a:stretch>
+            <a:fillRect/>
+          </a:stretch>
+        </p:blipFill>
+        <p:spPr bwMode="auto">
+          <a:xfrm>
+            <a:off x="2133600" y="2133600"/>
+            <a:ext cx="1752600" cy="1523169"/>
+          </a:xfrm>
+          <a:prstGeom prst="rect">
+            <a:avLst/>
+          </a:prstGeom>
+          <a:noFill/>
+        </p:spPr>
+      </p:pic>
     </p:spTree>
   </p:cSld>
   <p:clrMapOvr>

--- a/Lylyez/Armada Soundsystem.pptx
+++ b/Lylyez/Armada Soundsystem.pptx
@@ -249,7 +249,7 @@
             <a:fld id="{084B4F6C-5E44-4E88-8E84-86541D3F2744}" type="datetimeFigureOut">
               <a:rPr lang="en-US" smtClean="0"/>
               <a:pPr/>
-              <a:t>3/9/2017</a:t>
+              <a:t>3/10/2017</a:t>
             </a:fld>
             <a:endParaRPr lang="en-US"/>
           </a:p>
@@ -1120,7 +1120,7 @@
             <a:fld id="{084B4F6C-5E44-4E88-8E84-86541D3F2744}" type="datetimeFigureOut">
               <a:rPr lang="en-US" smtClean="0"/>
               <a:pPr/>
-              <a:t>3/9/2017</a:t>
+              <a:t>3/10/2017</a:t>
             </a:fld>
             <a:endParaRPr lang="en-US"/>
           </a:p>
@@ -1297,7 +1297,7 @@
             <a:fld id="{084B4F6C-5E44-4E88-8E84-86541D3F2744}" type="datetimeFigureOut">
               <a:rPr lang="en-US" smtClean="0"/>
               <a:pPr/>
-              <a:t>3/9/2017</a:t>
+              <a:t>3/10/2017</a:t>
             </a:fld>
             <a:endParaRPr lang="en-US"/>
           </a:p>
@@ -1469,7 +1469,7 @@
             <a:fld id="{084B4F6C-5E44-4E88-8E84-86541D3F2744}" type="datetimeFigureOut">
               <a:rPr lang="en-US" smtClean="0"/>
               <a:pPr/>
-              <a:t>3/9/2017</a:t>
+              <a:t>3/10/2017</a:t>
             </a:fld>
             <a:endParaRPr lang="en-US"/>
           </a:p>
@@ -1681,7 +1681,7 @@
             <a:fld id="{084B4F6C-5E44-4E88-8E84-86541D3F2744}" type="datetimeFigureOut">
               <a:rPr lang="en-US" smtClean="0"/>
               <a:pPr/>
-              <a:t>3/9/2017</a:t>
+              <a:t>3/10/2017</a:t>
             </a:fld>
             <a:endParaRPr lang="en-US"/>
           </a:p>
@@ -2497,7 +2497,7 @@
             <a:fld id="{084B4F6C-5E44-4E88-8E84-86541D3F2744}" type="datetimeFigureOut">
               <a:rPr lang="en-US" smtClean="0"/>
               <a:pPr/>
-              <a:t>3/9/2017</a:t>
+              <a:t>3/10/2017</a:t>
             </a:fld>
             <a:endParaRPr lang="en-US"/>
           </a:p>
@@ -2735,7 +2735,7 @@
             <a:fld id="{084B4F6C-5E44-4E88-8E84-86541D3F2744}" type="datetimeFigureOut">
               <a:rPr lang="en-US" smtClean="0"/>
               <a:pPr/>
-              <a:t>3/9/2017</a:t>
+              <a:t>3/10/2017</a:t>
             </a:fld>
             <a:endParaRPr lang="en-US"/>
           </a:p>
@@ -3060,7 +3060,7 @@
             <a:fld id="{084B4F6C-5E44-4E88-8E84-86541D3F2744}" type="datetimeFigureOut">
               <a:rPr lang="en-US" smtClean="0"/>
               <a:pPr/>
-              <a:t>3/9/2017</a:t>
+              <a:t>3/10/2017</a:t>
             </a:fld>
             <a:endParaRPr lang="en-US"/>
           </a:p>
@@ -3152,7 +3152,7 @@
             <a:fld id="{084B4F6C-5E44-4E88-8E84-86541D3F2744}" type="datetimeFigureOut">
               <a:rPr lang="en-US" smtClean="0"/>
               <a:pPr/>
-              <a:t>3/9/2017</a:t>
+              <a:t>3/10/2017</a:t>
             </a:fld>
             <a:endParaRPr lang="en-US"/>
           </a:p>
@@ -3671,7 +3671,7 @@
             <a:fld id="{084B4F6C-5E44-4E88-8E84-86541D3F2744}" type="datetimeFigureOut">
               <a:rPr lang="en-US" smtClean="0"/>
               <a:pPr/>
-              <a:t>3/9/2017</a:t>
+              <a:t>3/10/2017</a:t>
             </a:fld>
             <a:endParaRPr lang="en-US"/>
           </a:p>
@@ -4184,7 +4184,7 @@
             <a:fld id="{084B4F6C-5E44-4E88-8E84-86541D3F2744}" type="datetimeFigureOut">
               <a:rPr lang="en-US" smtClean="0"/>
               <a:pPr/>
-              <a:t>3/9/2017</a:t>
+              <a:t>3/10/2017</a:t>
             </a:fld>
             <a:endParaRPr lang="en-US"/>
           </a:p>
@@ -4431,7 +4431,7 @@
             <a:fld id="{084B4F6C-5E44-4E88-8E84-86541D3F2744}" type="datetimeFigureOut">
               <a:rPr lang="en-US" smtClean="0"/>
               <a:pPr/>
-              <a:t>3/9/2017</a:t>
+              <a:t>3/10/2017</a:t>
             </a:fld>
             <a:endParaRPr lang="en-US"/>
           </a:p>
@@ -5114,14 +5114,6 @@
               </a:rPr>
               <a:t>ARMADA SOUNDSYTEM</a:t>
             </a:r>
-            <a:endParaRPr lang="en-US" sz="2800" dirty="0" smtClean="0">
-              <a:solidFill>
-                <a:schemeClr val="accent1">
-                  <a:lumMod val="75000"/>
-                </a:schemeClr>
-              </a:solidFill>
-              <a:latin typeface="Agency FB" pitchFamily="34" charset="0"/>
-            </a:endParaRPr>
           </a:p>
         </p:txBody>
       </p:sp>
@@ -5417,6 +5409,14 @@
             <a:r>
               <a:rPr lang="en-US" sz="3200" dirty="0" err="1" smtClean="0"/>
               <a:t>projek</a:t>
+            </a:r>
+            <a:r>
+              <a:rPr lang="en-US" sz="3200" dirty="0" smtClean="0"/>
+              <a:t>/</a:t>
+            </a:r>
+            <a:r>
+              <a:rPr lang="en-US" sz="3200" dirty="0" err="1" smtClean="0"/>
+              <a:t>acara</a:t>
             </a:r>
             <a:endParaRPr lang="en-US" sz="3200" dirty="0" smtClean="0"/>
           </a:p>
@@ -5710,7 +5710,7 @@
                   <a:srgbClr val="FF0000"/>
                 </a:solidFill>
               </a:rPr>
-              <a:t>Kemajuan</a:t>
+              <a:t>Mengikuti</a:t>
             </a:r>
             <a:r>
               <a:rPr lang="en-US" dirty="0" smtClean="0">
@@ -5726,7 +5726,7 @@
                   <a:srgbClr val="FF0000"/>
                 </a:solidFill>
               </a:rPr>
-              <a:t>teknologi</a:t>
+              <a:t>kemajuan</a:t>
             </a:r>
             <a:r>
               <a:rPr lang="en-US" dirty="0" smtClean="0">
@@ -5742,7 +5742,7 @@
                   <a:srgbClr val="FF0000"/>
                 </a:solidFill>
               </a:rPr>
-              <a:t>telah</a:t>
+              <a:t>teknologi</a:t>
             </a:r>
             <a:r>
               <a:rPr lang="en-US" dirty="0" smtClean="0">
@@ -5758,7 +5758,23 @@
                   <a:srgbClr val="FF0000"/>
                 </a:solidFill>
               </a:rPr>
-              <a:t>byk</a:t>
+              <a:t>sehingga</a:t>
+            </a:r>
+            <a:r>
+              <a:rPr lang="en-US" dirty="0" smtClean="0">
+                <a:solidFill>
+                  <a:srgbClr val="FF0000"/>
+                </a:solidFill>
+              </a:rPr>
+              <a:t> </a:t>
+            </a:r>
+            <a:r>
+              <a:rPr lang="en-US" dirty="0" err="1" smtClean="0">
+                <a:solidFill>
+                  <a:srgbClr val="FF0000"/>
+                </a:solidFill>
+              </a:rPr>
+              <a:t>bisa</a:t>
             </a:r>
             <a:r>
               <a:rPr lang="en-US" dirty="0" smtClean="0">
@@ -5890,6 +5906,22 @@
               </a:rPr>
               <a:t>inspirasi</a:t>
             </a:r>
+            <a:r>
+              <a:rPr lang="en-US" dirty="0" smtClean="0">
+                <a:solidFill>
+                  <a:srgbClr val="FF0000"/>
+                </a:solidFill>
+              </a:rPr>
+              <a:t> &amp; </a:t>
+            </a:r>
+            <a:r>
+              <a:rPr lang="en-US" dirty="0" err="1" smtClean="0">
+                <a:solidFill>
+                  <a:srgbClr val="FF0000"/>
+                </a:solidFill>
+              </a:rPr>
+              <a:t>kreatif</a:t>
+            </a:r>
             <a:endParaRPr lang="en-US" dirty="0" smtClean="0">
               <a:solidFill>
                 <a:srgbClr val="FF0000"/>
@@ -6028,7 +6060,23 @@
                   <a:srgbClr val="FF0000"/>
                 </a:solidFill>
               </a:rPr>
-              <a:t> (BMI)</a:t>
+              <a:t> </a:t>
+            </a:r>
+            <a:r>
+              <a:rPr lang="en-US" dirty="0" smtClean="0">
+                <a:solidFill>
+                  <a:srgbClr val="FF0000"/>
+                </a:solidFill>
+              </a:rPr>
+              <a:t> &amp; Smart (BMI</a:t>
+            </a:r>
+            <a:r>
+              <a:rPr lang="en-US" dirty="0" smtClean="0">
+                <a:solidFill>
+                  <a:srgbClr val="FF0000"/>
+                </a:solidFill>
+              </a:rPr>
+              <a:t>)</a:t>
             </a:r>
           </a:p>
           <a:p>
@@ -6250,7 +6298,19 @@
             </a:pPr>
             <a:r>
               <a:rPr lang="en-US" sz="2800" dirty="0" smtClean="0"/>
-              <a:t>&lt;table&gt;&lt;/table&gt;</a:t>
+              <a:t>&lt;table</a:t>
+            </a:r>
+            <a:r>
+              <a:rPr lang="en-US" sz="2800" dirty="0" smtClean="0"/>
+              <a:t>&gt;&lt;</a:t>
+            </a:r>
+            <a:r>
+              <a:rPr lang="en-US" sz="2800" dirty="0" err="1" smtClean="0"/>
+              <a:t>tr</a:t>
+            </a:r>
+            <a:r>
+              <a:rPr lang="en-US" sz="2800" dirty="0" smtClean="0"/>
+              <a:t>&gt;&lt;td&gt;</a:t>
             </a:r>
             <a:endParaRPr lang="en-US" sz="2800" dirty="0" smtClean="0"/>
           </a:p>
@@ -6263,16 +6323,16 @@
               <a:t>&lt;</a:t>
             </a:r>
             <a:r>
+              <a:rPr lang="en-US" sz="2800" dirty="0" smtClean="0"/>
+              <a:t>a </a:t>
+            </a:r>
+            <a:r>
               <a:rPr lang="en-US" sz="2800" dirty="0" err="1" smtClean="0"/>
-              <a:t>tr</a:t>
+              <a:t>href</a:t>
             </a:r>
             <a:r>
               <a:rPr lang="en-US" sz="2800" dirty="0" smtClean="0"/>
-              <a:t>&gt;&lt;/</a:t>
-            </a:r>
-            <a:r>
-              <a:rPr lang="en-US" sz="2800" dirty="0" err="1" smtClean="0"/>
-              <a:t>tr</a:t>
+              <a:t>=“ “</a:t>
             </a:r>
             <a:r>
               <a:rPr lang="en-US" sz="2800" dirty="0" smtClean="0"/>
@@ -6286,7 +6346,23 @@
             </a:pPr>
             <a:r>
               <a:rPr lang="en-US" sz="2800" dirty="0" smtClean="0"/>
-              <a:t>&lt;td&gt;&lt;td&gt;</a:t>
+              <a:t>&lt;</a:t>
+            </a:r>
+            <a:r>
+              <a:rPr lang="en-US" sz="2800" dirty="0" err="1" smtClean="0"/>
+              <a:t>ol</a:t>
+            </a:r>
+            <a:r>
+              <a:rPr lang="en-US" sz="2800" dirty="0" smtClean="0"/>
+              <a:t>&gt;&lt;</a:t>
+            </a:r>
+            <a:r>
+              <a:rPr lang="en-US" sz="2800" dirty="0" err="1" smtClean="0"/>
+              <a:t>li</a:t>
+            </a:r>
+            <a:r>
+              <a:rPr lang="en-US" sz="2800" dirty="0" smtClean="0"/>
+              <a:t>&gt;</a:t>
             </a:r>
             <a:endParaRPr lang="en-US" sz="2800" dirty="0" smtClean="0"/>
           </a:p>
@@ -6324,7 +6400,6 @@
               <a:rPr lang="en-US" sz="2800" dirty="0" smtClean="0"/>
               <a:t>&gt; &lt;</a:t>
             </a:r>
-            <a:endParaRPr lang="en-US" sz="2800" dirty="0" smtClean="0"/>
           </a:p>
           <a:p>
             <a:pPr marL="457200" indent="-457200">
@@ -6334,6 +6409,22 @@
             <a:r>
               <a:rPr lang="en-US" sz="2800" dirty="0" smtClean="0"/>
               <a:t>&lt;</a:t>
+            </a:r>
+            <a:r>
+              <a:rPr lang="en-US" sz="2800" dirty="0" err="1" smtClean="0"/>
+              <a:t>img</a:t>
+            </a:r>
+            <a:r>
+              <a:rPr lang="en-US" sz="2800" dirty="0" smtClean="0"/>
+              <a:t> </a:t>
+            </a:r>
+            <a:r>
+              <a:rPr lang="en-US" sz="2800" dirty="0" err="1" smtClean="0"/>
+              <a:t>src</a:t>
+            </a:r>
+            <a:r>
+              <a:rPr lang="en-US" sz="2800" dirty="0" smtClean="0"/>
+              <a:t>=“ ”&gt;</a:t>
             </a:r>
             <a:endParaRPr lang="en-US" sz="2800" dirty="0" smtClean="0"/>
           </a:p>
@@ -6390,7 +6481,11 @@
             </a:pPr>
             <a:r>
               <a:rPr lang="en-US" sz="2800" dirty="0" smtClean="0"/>
-              <a:t>#table-</a:t>
+              <a:t>#</a:t>
+            </a:r>
+            <a:r>
+              <a:rPr lang="en-US" sz="2800" dirty="0" smtClean="0"/>
+              <a:t>table-header</a:t>
             </a:r>
             <a:endParaRPr lang="en-US" sz="2800" dirty="0" smtClean="0"/>
           </a:p>
@@ -6400,7 +6495,7 @@
             </a:pPr>
             <a:r>
               <a:rPr lang="en-US" sz="2800" dirty="0" smtClean="0"/>
-              <a:t>#div</a:t>
+              <a:t>#td-header</a:t>
             </a:r>
           </a:p>
           <a:p>
@@ -6411,6 +6506,19 @@
               <a:rPr lang="en-US" sz="2800" dirty="0" smtClean="0"/>
               <a:t>#</a:t>
             </a:r>
+            <a:r>
+              <a:rPr lang="en-US" sz="2800" dirty="0" err="1" smtClean="0"/>
+              <a:t>ul</a:t>
+            </a:r>
+            <a:r>
+              <a:rPr lang="en-US" sz="2800" dirty="0" smtClean="0"/>
+              <a:t>-header-</a:t>
+            </a:r>
+            <a:r>
+              <a:rPr lang="en-US" sz="2800" dirty="0" err="1" smtClean="0"/>
+              <a:t>nav</a:t>
+            </a:r>
+            <a:endParaRPr lang="en-US" sz="2800" dirty="0" smtClean="0"/>
           </a:p>
           <a:p>
             <a:pPr marL="457200" indent="-457200">
@@ -6418,8 +6526,13 @@
             </a:pPr>
             <a:r>
               <a:rPr lang="en-US" sz="2800" dirty="0" smtClean="0"/>
-              <a:t>.</a:t>
-            </a:r>
+              <a:t>#</a:t>
+            </a:r>
+            <a:r>
+              <a:rPr lang="en-US" sz="2800" dirty="0" err="1" smtClean="0"/>
+              <a:t>div.footer</a:t>
+            </a:r>
+            <a:endParaRPr lang="en-US" sz="2800" dirty="0" smtClean="0"/>
           </a:p>
           <a:p>
             <a:pPr marL="457200" indent="-457200">
@@ -6427,8 +6540,35 @@
             </a:pPr>
             <a:r>
               <a:rPr lang="en-US" sz="2800" dirty="0" smtClean="0"/>
+              <a:t>.wrapper</a:t>
+            </a:r>
+          </a:p>
+          <a:p>
+            <a:pPr marL="457200" indent="-457200">
+              <a:buAutoNum type="arabicPeriod"/>
+            </a:pPr>
+            <a:r>
+              <a:rPr lang="en-US" sz="2800" dirty="0" smtClean="0"/>
+              <a:t>.div-content-title</a:t>
+            </a:r>
+          </a:p>
+          <a:p>
+            <a:pPr marL="457200" indent="-457200">
+              <a:buAutoNum type="arabicPeriod"/>
+            </a:pPr>
+            <a:r>
+              <a:rPr lang="en-US" sz="2800" dirty="0" smtClean="0"/>
               <a:t>.</a:t>
             </a:r>
+            <a:r>
+              <a:rPr lang="en-US" sz="2800" dirty="0" err="1" smtClean="0"/>
+              <a:t>img</a:t>
+            </a:r>
+            <a:r>
+              <a:rPr lang="en-US" sz="2800" dirty="0" smtClean="0"/>
+              <a:t>-content</a:t>
+            </a:r>
+            <a:endParaRPr lang="en-US" sz="2800" dirty="0" smtClean="0"/>
           </a:p>
           <a:p>
             <a:pPr marL="457200" indent="-457200">
@@ -6752,7 +6892,6 @@
               <a:rPr lang="en-US" dirty="0" smtClean="0"/>
               <a:t> TUTOR </a:t>
             </a:r>
-            <a:endParaRPr lang="en-US" dirty="0" smtClean="0"/>
           </a:p>
           <a:p>
             <a:endParaRPr lang="en-US" dirty="0"/>
